--- a/16-DFD Essencial para cada Capacidade.pptx
+++ b/16-DFD Essencial para cada Capacidade.pptx
@@ -13,7 +13,6 @@
     <p:sldId id="258" r:id="rId7"/>
     <p:sldId id="259" r:id="rId8"/>
     <p:sldId id="260" r:id="rId9"/>
-    <p:sldId id="261" r:id="rId10"/>
   </p:sldIdLst>
   <p:sldSz cy="6858000" cx="12192000"/>
   <p:notesSz cx="6858000" cy="9144000"/>
@@ -248,7 +247,7 @@
   </p:defaultTextStyle>
   <p:extLst>
     <p:ext uri="http://customooxmlschemas.google.com/">
-      <go:slidesCustomData xmlns:go="http://customooxmlschemas.google.com/" r:id="rId11" roundtripDataSignature="AMtx7mhPScdPOLKvLMngVj81/p7+Qj+Q9A=="/>
+      <go:slidesCustomData xmlns:go="http://customooxmlschemas.google.com/" r:id="rId10" roundtripDataSignature="AMtx7mhwvj/2BAqQ04FxPO30lAakrIliew=="/>
     </p:ext>
   </p:extLst>
 </p:presentation>
@@ -1540,7 +1539,7 @@
       </p:grpSpPr>
       <p:sp>
         <p:nvSpPr>
-          <p:cNvPr id="91" name="Google Shape;91;gc932e3fb4b_0_8:notes"/>
+          <p:cNvPr id="91" name="Google Shape;91;gc5568ad190_0_9:notes"/>
           <p:cNvSpPr txBox="1"/>
           <p:nvPr>
             <p:ph idx="1" type="body"/>
@@ -1579,7 +1578,7 @@
       </p:sp>
       <p:sp>
         <p:nvSpPr>
-          <p:cNvPr id="92" name="Google Shape;92;gc932e3fb4b_0_8:notes"/>
+          <p:cNvPr id="92" name="Google Shape;92;gc5568ad190_0_9:notes"/>
           <p:cNvSpPr/>
           <p:nvPr>
             <p:ph idx="2" type="sldImg"/>
@@ -1639,7 +1638,7 @@
       </p:grpSpPr>
       <p:sp>
         <p:nvSpPr>
-          <p:cNvPr id="97" name="Google Shape;97;gc932e3fb4b_0_0:notes"/>
+          <p:cNvPr id="97" name="Google Shape;97;gc5568ad190_0_13:notes"/>
           <p:cNvSpPr txBox="1"/>
           <p:nvPr>
             <p:ph idx="1" type="body"/>
@@ -1678,7 +1677,7 @@
       </p:sp>
       <p:sp>
         <p:nvSpPr>
-          <p:cNvPr id="98" name="Google Shape;98;gc932e3fb4b_0_0:notes"/>
+          <p:cNvPr id="98" name="Google Shape;98;gc5568ad190_0_13:notes"/>
           <p:cNvSpPr/>
           <p:nvPr>
             <p:ph idx="2" type="sldImg"/>
@@ -1738,7 +1737,7 @@
       </p:grpSpPr>
       <p:sp>
         <p:nvSpPr>
-          <p:cNvPr id="103" name="Google Shape;103;gc5568ad190_0_9:notes"/>
+          <p:cNvPr id="103" name="Google Shape;103;gc932e3fb4b_0_8:notes"/>
           <p:cNvSpPr txBox="1"/>
           <p:nvPr>
             <p:ph idx="1" type="body"/>
@@ -1777,7 +1776,7 @@
       </p:sp>
       <p:sp>
         <p:nvSpPr>
-          <p:cNvPr id="104" name="Google Shape;104;gc5568ad190_0_9:notes"/>
+          <p:cNvPr id="104" name="Google Shape;104;gc932e3fb4b_0_8:notes"/>
           <p:cNvSpPr/>
           <p:nvPr>
             <p:ph idx="2" type="sldImg"/>
@@ -1837,7 +1836,7 @@
       </p:grpSpPr>
       <p:sp>
         <p:nvSpPr>
-          <p:cNvPr id="109" name="Google Shape;109;gc5568ad190_0_13:notes"/>
+          <p:cNvPr id="109" name="Google Shape;109;gc5568ad190_0_17:notes"/>
           <p:cNvSpPr txBox="1"/>
           <p:nvPr>
             <p:ph idx="1" type="body"/>
@@ -1876,106 +1875,7 @@
       </p:sp>
       <p:sp>
         <p:nvSpPr>
-          <p:cNvPr id="110" name="Google Shape;110;gc5568ad190_0_13:notes"/>
-          <p:cNvSpPr/>
-          <p:nvPr>
-            <p:ph idx="2" type="sldImg"/>
-          </p:nvPr>
-        </p:nvSpPr>
-        <p:spPr>
-          <a:xfrm>
-            <a:off x="685800" y="1143000"/>
-            <a:ext cx="5486400" cy="3086100"/>
-          </a:xfrm>
-          <a:custGeom>
-            <a:rect b="b" l="l" r="r" t="t"/>
-            <a:pathLst>
-              <a:path extrusionOk="0" h="120000" w="120000">
-                <a:moveTo>
-                  <a:pt x="0" y="0"/>
-                </a:moveTo>
-                <a:lnTo>
-                  <a:pt x="120000" y="0"/>
-                </a:lnTo>
-                <a:lnTo>
-                  <a:pt x="120000" y="120000"/>
-                </a:lnTo>
-                <a:lnTo>
-                  <a:pt x="0" y="120000"/>
-                </a:lnTo>
-                <a:close/>
-              </a:path>
-            </a:pathLst>
-          </a:custGeom>
-        </p:spPr>
-      </p:sp>
-    </p:spTree>
-  </p:cSld>
-  <p:clrMapOvr>
-    <a:masterClrMapping/>
-  </p:clrMapOvr>
-</p:notes>
-</file>
-
-<file path=ppt/notesSlides/notesSlide6.xml><?xml version="1.0" encoding="utf-8"?>
-<p:notes xmlns:a="http://schemas.openxmlformats.org/drawingml/2006/main" xmlns:r="http://schemas.openxmlformats.org/officeDocument/2006/relationships" xmlns:mc="http://schemas.openxmlformats.org/markup-compatibility/2006" xmlns:mv="urn:schemas-microsoft-com:mac:vml" xmlns:p="http://schemas.openxmlformats.org/presentationml/2006/main" xmlns:c="http://schemas.openxmlformats.org/drawingml/2006/chart" xmlns:dgm="http://schemas.openxmlformats.org/drawingml/2006/diagram" xmlns:o="urn:schemas-microsoft-com:office:office" xmlns:v="urn:schemas-microsoft-com:vml" xmlns:pvml="urn:schemas-microsoft-com:office:powerpoint" xmlns:com="http://schemas.openxmlformats.org/drawingml/2006/compatibility" xmlns:p14="http://schemas.microsoft.com/office/powerpoint/2010/main" xmlns:p15="http://schemas.microsoft.com/office/powerpoint/2012/main" xmlns:ahyp="http://schemas.microsoft.com/office/drawing/2018/hyperlinkcolor" showMasterPhAnim="0" showMasterSp="0">
-  <p:cSld>
-    <p:spTree>
-      <p:nvGrpSpPr>
-        <p:cNvPr id="114" name="Shape 114"/>
-        <p:cNvGrpSpPr/>
-        <p:nvPr/>
-      </p:nvGrpSpPr>
-      <p:grpSpPr>
-        <a:xfrm>
-          <a:off x="0" y="0"/>
-          <a:ext cx="0" cy="0"/>
-          <a:chOff x="0" y="0"/>
-          <a:chExt cx="0" cy="0"/>
-        </a:xfrm>
-      </p:grpSpPr>
-      <p:sp>
-        <p:nvSpPr>
-          <p:cNvPr id="115" name="Google Shape;115;gc5568ad190_0_17:notes"/>
-          <p:cNvSpPr txBox="1"/>
-          <p:nvPr>
-            <p:ph idx="1" type="body"/>
-          </p:nvPr>
-        </p:nvSpPr>
-        <p:spPr>
-          <a:xfrm>
-            <a:off x="685800" y="4400550"/>
-            <a:ext cx="5486400" cy="3600600"/>
-          </a:xfrm>
-          <a:prstGeom prst="rect">
-            <a:avLst/>
-          </a:prstGeom>
-        </p:spPr>
-        <p:txBody>
-          <a:bodyPr anchorCtr="0" anchor="t" bIns="45700" lIns="91425" spcFirstLastPara="1" rIns="91425" wrap="square" tIns="45700">
-            <a:noAutofit/>
-          </a:bodyPr>
-          <a:lstStyle/>
-          <a:p>
-            <a:pPr indent="0" lvl="0" marL="0" rtl="0" algn="l">
-              <a:spcBef>
-                <a:spcPts val="0"/>
-              </a:spcBef>
-              <a:spcAft>
-                <a:spcPts val="0"/>
-              </a:spcAft>
-              <a:buNone/>
-            </a:pPr>
-            <a:r>
-              <a:t/>
-            </a:r>
-            <a:endParaRPr/>
-          </a:p>
-        </p:txBody>
-      </p:sp>
-      <p:sp>
-        <p:nvSpPr>
-          <p:cNvPr id="116" name="Google Shape;116;gc5568ad190_0_17:notes"/>
+          <p:cNvPr id="110" name="Google Shape;110;gc5568ad190_0_17:notes"/>
           <p:cNvSpPr/>
           <p:nvPr>
             <p:ph idx="2" type="sldImg"/>
@@ -12349,8 +12249,8 @@
         </p:blipFill>
         <p:spPr>
           <a:xfrm>
-            <a:off x="2010563" y="1690688"/>
-            <a:ext cx="8170866" cy="4862512"/>
+            <a:off x="2577788" y="1690688"/>
+            <a:ext cx="7036413" cy="4862512"/>
           </a:xfrm>
           <a:prstGeom prst="rect">
             <a:avLst/>
@@ -12388,7 +12288,7 @@
       </p:grpSpPr>
       <p:sp>
         <p:nvSpPr>
-          <p:cNvPr id="94" name="Google Shape;94;gc932e3fb4b_0_8"/>
+          <p:cNvPr id="94" name="Google Shape;94;gc5568ad190_0_9"/>
           <p:cNvSpPr txBox="1"/>
           <p:nvPr>
             <p:ph type="title"/>
@@ -12436,7 +12336,7 @@
             </a:r>
             <a:r>
               <a:rPr b="1" lang="pt-BR"/>
-              <a:t>Comprar Produtos</a:t>
+              <a:t>Atender Solicitação de Suporte</a:t>
             </a:r>
             <a:endParaRPr/>
           </a:p>
@@ -12444,7 +12344,7 @@
       </p:sp>
       <p:pic>
         <p:nvPicPr>
-          <p:cNvPr id="95" name="Google Shape;95;gc932e3fb4b_0_8"/>
+          <p:cNvPr id="95" name="Google Shape;95;gc5568ad190_0_9"/>
           <p:cNvPicPr preferRelativeResize="0"/>
           <p:nvPr/>
         </p:nvPicPr>
@@ -12458,8 +12358,8 @@
         </p:blipFill>
         <p:spPr>
           <a:xfrm>
-            <a:off x="2943225" y="1690825"/>
-            <a:ext cx="6305550" cy="4019550"/>
+            <a:off x="1195388" y="1690825"/>
+            <a:ext cx="9801225" cy="4114800"/>
           </a:xfrm>
           <a:prstGeom prst="rect">
             <a:avLst/>
@@ -12497,7 +12397,7 @@
       </p:grpSpPr>
       <p:sp>
         <p:nvSpPr>
-          <p:cNvPr id="100" name="Google Shape;100;gc932e3fb4b_0_0"/>
+          <p:cNvPr id="100" name="Google Shape;100;gc5568ad190_0_13"/>
           <p:cNvSpPr txBox="1"/>
           <p:nvPr>
             <p:ph type="title"/>
@@ -12545,15 +12445,19 @@
             </a:r>
             <a:r>
               <a:rPr b="1" lang="pt-BR"/>
-              <a:t>Realizar Manutenção</a:t>
+              <a:t>Tratar Devoluções</a:t>
             </a:r>
-            <a:endParaRPr/>
+            <a:endParaRPr>
+              <a:highlight>
+                <a:srgbClr val="FF0000"/>
+              </a:highlight>
+            </a:endParaRPr>
           </a:p>
         </p:txBody>
       </p:sp>
       <p:pic>
         <p:nvPicPr>
-          <p:cNvPr id="101" name="Google Shape;101;gc932e3fb4b_0_0"/>
+          <p:cNvPr id="101" name="Google Shape;101;gc5568ad190_0_13"/>
           <p:cNvPicPr preferRelativeResize="0"/>
           <p:nvPr/>
         </p:nvPicPr>
@@ -12567,8 +12471,8 @@
         </p:blipFill>
         <p:spPr>
           <a:xfrm>
-            <a:off x="4835063" y="1690825"/>
-            <a:ext cx="2521871" cy="4862375"/>
+            <a:off x="2143125" y="1690825"/>
+            <a:ext cx="7905750" cy="4191000"/>
           </a:xfrm>
           <a:prstGeom prst="rect">
             <a:avLst/>
@@ -12606,7 +12510,7 @@
       </p:grpSpPr>
       <p:sp>
         <p:nvSpPr>
-          <p:cNvPr id="106" name="Google Shape;106;gc5568ad190_0_9"/>
+          <p:cNvPr id="106" name="Google Shape;106;gc932e3fb4b_0_8"/>
           <p:cNvSpPr txBox="1"/>
           <p:nvPr>
             <p:ph type="title"/>
@@ -12654,7 +12558,7 @@
             </a:r>
             <a:r>
               <a:rPr b="1" lang="pt-BR"/>
-              <a:t>Atender Solicitação</a:t>
+              <a:t>Comprar Produtos</a:t>
             </a:r>
             <a:endParaRPr/>
           </a:p>
@@ -12662,7 +12566,7 @@
       </p:sp>
       <p:pic>
         <p:nvPicPr>
-          <p:cNvPr id="107" name="Google Shape;107;gc5568ad190_0_9"/>
+          <p:cNvPr id="107" name="Google Shape;107;gc932e3fb4b_0_8"/>
           <p:cNvPicPr preferRelativeResize="0"/>
           <p:nvPr/>
         </p:nvPicPr>
@@ -12676,8 +12580,8 @@
         </p:blipFill>
         <p:spPr>
           <a:xfrm>
-            <a:off x="1641700" y="1690825"/>
-            <a:ext cx="8908599" cy="4399575"/>
+            <a:off x="1000125" y="1690825"/>
+            <a:ext cx="10191750" cy="4495800"/>
           </a:xfrm>
           <a:prstGeom prst="rect">
             <a:avLst/>
@@ -12715,7 +12619,7 @@
       </p:grpSpPr>
       <p:sp>
         <p:nvSpPr>
-          <p:cNvPr id="112" name="Google Shape;112;gc5568ad190_0_13"/>
+          <p:cNvPr id="112" name="Google Shape;112;gc5568ad190_0_17"/>
           <p:cNvSpPr txBox="1"/>
           <p:nvPr>
             <p:ph type="title"/>
@@ -12763,19 +12667,15 @@
             </a:r>
             <a:r>
               <a:rPr b="1" lang="pt-BR"/>
-              <a:t>Tratar Devoluções</a:t>
+              <a:t>Terceirizar Manutenção de Produtos</a:t>
             </a:r>
-            <a:endParaRPr>
-              <a:highlight>
-                <a:srgbClr val="FF0000"/>
-              </a:highlight>
-            </a:endParaRPr>
+            <a:endParaRPr/>
           </a:p>
         </p:txBody>
       </p:sp>
       <p:pic>
         <p:nvPicPr>
-          <p:cNvPr id="113" name="Google Shape;113;gc5568ad190_0_13"/>
+          <p:cNvPr id="113" name="Google Shape;113;gc5568ad190_0_17"/>
           <p:cNvPicPr preferRelativeResize="0"/>
           <p:nvPr/>
         </p:nvPicPr>
@@ -12789,117 +12689,8 @@
         </p:blipFill>
         <p:spPr>
           <a:xfrm>
-            <a:off x="2045113" y="1690825"/>
-            <a:ext cx="8101774" cy="4365825"/>
-          </a:xfrm>
-          <a:prstGeom prst="rect">
-            <a:avLst/>
-          </a:prstGeom>
-          <a:noFill/>
-          <a:ln>
-            <a:noFill/>
-          </a:ln>
-        </p:spPr>
-      </p:pic>
-    </p:spTree>
-  </p:cSld>
-  <p:clrMapOvr>
-    <a:masterClrMapping/>
-  </p:clrMapOvr>
-</p:sld>
-</file>
-
-<file path=ppt/slides/slide6.xml><?xml version="1.0" encoding="utf-8"?>
-<p:sld xmlns:a="http://schemas.openxmlformats.org/drawingml/2006/main" xmlns:r="http://schemas.openxmlformats.org/officeDocument/2006/relationships" xmlns:mc="http://schemas.openxmlformats.org/markup-compatibility/2006" xmlns:mv="urn:schemas-microsoft-com:mac:vml" xmlns:p="http://schemas.openxmlformats.org/presentationml/2006/main" xmlns:c="http://schemas.openxmlformats.org/drawingml/2006/chart" xmlns:dgm="http://schemas.openxmlformats.org/drawingml/2006/diagram" xmlns:o="urn:schemas-microsoft-com:office:office" xmlns:v="urn:schemas-microsoft-com:vml" xmlns:pvml="urn:schemas-microsoft-com:office:powerpoint" xmlns:com="http://schemas.openxmlformats.org/drawingml/2006/compatibility" xmlns:p14="http://schemas.microsoft.com/office/powerpoint/2010/main" xmlns:p15="http://schemas.microsoft.com/office/powerpoint/2012/main" xmlns:ahyp="http://schemas.microsoft.com/office/drawing/2018/hyperlinkcolor">
-  <p:cSld>
-    <p:spTree>
-      <p:nvGrpSpPr>
-        <p:cNvPr id="117" name="Shape 117"/>
-        <p:cNvGrpSpPr/>
-        <p:nvPr/>
-      </p:nvGrpSpPr>
-      <p:grpSpPr>
-        <a:xfrm>
-          <a:off x="0" y="0"/>
-          <a:ext cx="0" cy="0"/>
-          <a:chOff x="0" y="0"/>
-          <a:chExt cx="0" cy="0"/>
-        </a:xfrm>
-      </p:grpSpPr>
-      <p:sp>
-        <p:nvSpPr>
-          <p:cNvPr id="118" name="Google Shape;118;gc5568ad190_0_17"/>
-          <p:cNvSpPr txBox="1"/>
-          <p:nvPr>
-            <p:ph type="title"/>
-          </p:nvPr>
-        </p:nvSpPr>
-        <p:spPr>
-          <a:xfrm>
-            <a:off x="838200" y="365125"/>
-            <a:ext cx="10515600" cy="1325700"/>
-          </a:xfrm>
-          <a:prstGeom prst="rect">
-            <a:avLst/>
-          </a:prstGeom>
-          <a:noFill/>
-          <a:ln>
-            <a:noFill/>
-          </a:ln>
-        </p:spPr>
-        <p:txBody>
-          <a:bodyPr anchorCtr="0" anchor="ctr" bIns="45700" lIns="91425" spcFirstLastPara="1" rIns="91425" wrap="square" tIns="45700">
-            <a:normAutofit/>
-          </a:bodyPr>
-          <a:lstStyle/>
-          <a:p>
-            <a:pPr indent="0" lvl="0" marL="0" rtl="0" algn="l">
-              <a:lnSpc>
-                <a:spcPct val="90000"/>
-              </a:lnSpc>
-              <a:spcBef>
-                <a:spcPts val="0"/>
-              </a:spcBef>
-              <a:spcAft>
-                <a:spcPts val="0"/>
-              </a:spcAft>
-              <a:buClr>
-                <a:schemeClr val="dk1"/>
-              </a:buClr>
-              <a:buSzPts val="4400"/>
-              <a:buFont typeface="Calibri"/>
-              <a:buNone/>
-            </a:pPr>
-            <a:r>
-              <a:rPr lang="pt-BR"/>
-              <a:t>Capacidade: </a:t>
-            </a:r>
-            <a:r>
-              <a:rPr b="1" lang="pt-BR"/>
-              <a:t>Terceirizar Manutenção de Produtos</a:t>
-            </a:r>
-            <a:endParaRPr/>
-          </a:p>
-        </p:txBody>
-      </p:sp>
-      <p:pic>
-        <p:nvPicPr>
-          <p:cNvPr id="119" name="Google Shape;119;gc5568ad190_0_17"/>
-          <p:cNvPicPr preferRelativeResize="0"/>
-          <p:nvPr/>
-        </p:nvPicPr>
-        <p:blipFill>
-          <a:blip r:embed="rId3">
-            <a:alphaModFix/>
-          </a:blip>
-          <a:stretch>
-            <a:fillRect/>
-          </a:stretch>
-        </p:blipFill>
-        <p:spPr>
-          <a:xfrm>
-            <a:off x="1847850" y="1690825"/>
-            <a:ext cx="8496300" cy="4019550"/>
+            <a:off x="914400" y="1690825"/>
+            <a:ext cx="10363200" cy="4219575"/>
           </a:xfrm>
           <a:prstGeom prst="rect">
             <a:avLst/>

--- a/16-DFD Essencial para cada Capacidade.pptx
+++ b/16-DFD Essencial para cada Capacidade.pptx
@@ -2,17 +2,17 @@
 <file path=ppt/presentation.xml><?xml version="1.0" encoding="utf-8"?>
 <p:presentation xmlns:a="http://schemas.openxmlformats.org/drawingml/2006/main" xmlns:r="http://schemas.openxmlformats.org/officeDocument/2006/relationships" xmlns:mc="http://schemas.openxmlformats.org/markup-compatibility/2006" xmlns:mv="urn:schemas-microsoft-com:mac:vml" xmlns:p="http://schemas.openxmlformats.org/presentationml/2006/main" xmlns:c="http://schemas.openxmlformats.org/drawingml/2006/chart" xmlns:dgm="http://schemas.openxmlformats.org/drawingml/2006/diagram" xmlns:o="urn:schemas-microsoft-com:office:office" xmlns:v="urn:schemas-microsoft-com:vml" xmlns:pvml="urn:schemas-microsoft-com:office:powerpoint" xmlns:com="http://schemas.openxmlformats.org/drawingml/2006/compatibility" xmlns:p14="http://schemas.microsoft.com/office/powerpoint/2010/main" xmlns:p15="http://schemas.microsoft.com/office/powerpoint/2012/main" xmlns:ahyp="http://schemas.microsoft.com/office/drawing/2018/hyperlinkcolor" autoCompressPictures="0" strictFirstAndLastChars="0" saveSubsetFonts="1">
   <p:sldMasterIdLst>
-    <p:sldMasterId id="2147483648" r:id="rId3"/>
+    <p:sldMasterId id="2147483648" r:id="rId4"/>
   </p:sldMasterIdLst>
   <p:notesMasterIdLst>
-    <p:notesMasterId r:id="rId4"/>
+    <p:notesMasterId r:id="rId5"/>
   </p:notesMasterIdLst>
   <p:sldIdLst>
-    <p:sldId id="256" r:id="rId5"/>
-    <p:sldId id="257" r:id="rId6"/>
-    <p:sldId id="258" r:id="rId7"/>
-    <p:sldId id="259" r:id="rId8"/>
-    <p:sldId id="260" r:id="rId9"/>
+    <p:sldId id="256" r:id="rId6"/>
+    <p:sldId id="257" r:id="rId7"/>
+    <p:sldId id="258" r:id="rId8"/>
+    <p:sldId id="259" r:id="rId9"/>
+    <p:sldId id="260" r:id="rId10"/>
   </p:sldIdLst>
   <p:sldSz cy="6858000" cx="12192000"/>
   <p:notesSz cx="6858000" cy="9144000"/>
@@ -246,8 +246,17 @@
     </a:lvl9pPr>
   </p:defaultTextStyle>
   <p:extLst>
+    <p:ext uri="{EFAFB233-063F-42B5-8137-9DF3F51BA10A}">
+      <p15:sldGuideLst>
+        <p15:guide id="1" orient="horz" pos="454">
+          <p15:clr>
+            <a:srgbClr val="9AA0A6"/>
+          </p15:clr>
+        </p15:guide>
+      </p15:sldGuideLst>
+    </p:ext>
     <p:ext uri="http://customooxmlschemas.google.com/">
-      <go:slidesCustomData xmlns:go="http://customooxmlschemas.google.com/" r:id="rId10" roundtripDataSignature="AMtx7mhwvj/2BAqQ04FxPO30lAakrIliew=="/>
+      <go:slidesCustomData xmlns:go="http://customooxmlschemas.google.com/" r:id="rId11" roundtripDataSignature="AMtx7mhVyAMuVXuBan/r5qLCt7pQkQVvAQ=="/>
     </p:ext>
   </p:extLst>
 </p:presentation>
@@ -12249,8 +12258,8 @@
         </p:blipFill>
         <p:spPr>
           <a:xfrm>
-            <a:off x="2577788" y="1690688"/>
-            <a:ext cx="7036413" cy="4862512"/>
+            <a:off x="1927663" y="1690688"/>
+            <a:ext cx="8336683" cy="4862511"/>
           </a:xfrm>
           <a:prstGeom prst="rect">
             <a:avLst/>
@@ -12358,8 +12367,8 @@
         </p:blipFill>
         <p:spPr>
           <a:xfrm>
-            <a:off x="1195388" y="1690825"/>
-            <a:ext cx="9801225" cy="4114800"/>
+            <a:off x="1414463" y="1690825"/>
+            <a:ext cx="9363075" cy="3933825"/>
           </a:xfrm>
           <a:prstGeom prst="rect">
             <a:avLst/>
@@ -12471,8 +12480,8 @@
         </p:blipFill>
         <p:spPr>
           <a:xfrm>
-            <a:off x="2143125" y="1690825"/>
-            <a:ext cx="7905750" cy="4191000"/>
+            <a:off x="1809750" y="1690825"/>
+            <a:ext cx="8572500" cy="4000500"/>
           </a:xfrm>
           <a:prstGeom prst="rect">
             <a:avLst/>
@@ -12580,8 +12589,8 @@
         </p:blipFill>
         <p:spPr>
           <a:xfrm>
-            <a:off x="1000125" y="1690825"/>
-            <a:ext cx="10191750" cy="4495800"/>
+            <a:off x="2645875" y="1690825"/>
+            <a:ext cx="6900250" cy="3652123"/>
           </a:xfrm>
           <a:prstGeom prst="rect">
             <a:avLst/>
@@ -12689,8 +12698,8 @@
         </p:blipFill>
         <p:spPr>
           <a:xfrm>
-            <a:off x="914400" y="1690825"/>
-            <a:ext cx="10363200" cy="4219575"/>
+            <a:off x="1857375" y="1690825"/>
+            <a:ext cx="8477250" cy="4029075"/>
           </a:xfrm>
           <a:prstGeom prst="rect">
             <a:avLst/>

--- a/16-DFD Essencial para cada Capacidade.pptx
+++ b/16-DFD Essencial para cada Capacidade.pptx
@@ -256,7 +256,7 @@
       </p15:sldGuideLst>
     </p:ext>
     <p:ext uri="http://customooxmlschemas.google.com/">
-      <go:slidesCustomData xmlns:go="http://customooxmlschemas.google.com/" r:id="rId11" roundtripDataSignature="AMtx7mhVyAMuVXuBan/r5qLCt7pQkQVvAQ=="/>
+      <go:slidesCustomData xmlns:go="http://customooxmlschemas.google.com/" r:id="rId11" roundtripDataSignature="AMtx7mj9HSVYXfWUhrXXfbn4t7Siw71n8g=="/>
     </p:ext>
   </p:extLst>
 </p:presentation>
@@ -12367,8 +12367,8 @@
         </p:blipFill>
         <p:spPr>
           <a:xfrm>
-            <a:off x="1414463" y="1690825"/>
-            <a:ext cx="9363075" cy="3933825"/>
+            <a:off x="1409700" y="1690825"/>
+            <a:ext cx="9372600" cy="3924300"/>
           </a:xfrm>
           <a:prstGeom prst="rect">
             <a:avLst/>

--- a/16-DFD Essencial para cada Capacidade.pptx
+++ b/16-DFD Essencial para cada Capacidade.pptx
@@ -256,7 +256,7 @@
       </p15:sldGuideLst>
     </p:ext>
     <p:ext uri="http://customooxmlschemas.google.com/">
-      <go:slidesCustomData xmlns:go="http://customooxmlschemas.google.com/" r:id="rId11" roundtripDataSignature="AMtx7mj9HSVYXfWUhrXXfbn4t7Siw71n8g=="/>
+      <go:slidesCustomData xmlns:go="http://customooxmlschemas.google.com/" r:id="rId11" roundtripDataSignature="AMtx7mj979Ky3VkfGseo7DVizihNDZ1Nog=="/>
     </p:ext>
   </p:extLst>
 </p:presentation>

--- a/16-DFD Essencial para cada Capacidade.pptx
+++ b/16-DFD Essencial para cada Capacidade.pptx
@@ -13,6 +13,7 @@
     <p:sldId id="258" r:id="rId8"/>
     <p:sldId id="259" r:id="rId9"/>
     <p:sldId id="260" r:id="rId10"/>
+    <p:sldId id="261" r:id="rId11"/>
   </p:sldIdLst>
   <p:sldSz cy="6858000" cx="12192000"/>
   <p:notesSz cx="6858000" cy="9144000"/>
@@ -256,7 +257,7 @@
       </p15:sldGuideLst>
     </p:ext>
     <p:ext uri="http://customooxmlschemas.google.com/">
-      <go:slidesCustomData xmlns:go="http://customooxmlschemas.google.com/" r:id="rId11" roundtripDataSignature="AMtx7mj979Ky3VkfGseo7DVizihNDZ1Nog=="/>
+      <go:slidesCustomData xmlns:go="http://customooxmlschemas.google.com/" r:id="rId12" roundtripDataSignature="AMtx7mjZ1aegdjMb0ZqmnZ/2VFFY5XgrkQ=="/>
     </p:ext>
   </p:extLst>
 </p:presentation>
@@ -1647,7 +1648,7 @@
       </p:grpSpPr>
       <p:sp>
         <p:nvSpPr>
-          <p:cNvPr id="97" name="Google Shape;97;gc5568ad190_0_13:notes"/>
+          <p:cNvPr id="97" name="Google Shape;97;gd66322a101_0_0:notes"/>
           <p:cNvSpPr txBox="1"/>
           <p:nvPr>
             <p:ph idx="1" type="body"/>
@@ -1686,7 +1687,7 @@
       </p:sp>
       <p:sp>
         <p:nvSpPr>
-          <p:cNvPr id="98" name="Google Shape;98;gc5568ad190_0_13:notes"/>
+          <p:cNvPr id="98" name="Google Shape;98;gd66322a101_0_0:notes"/>
           <p:cNvSpPr/>
           <p:nvPr>
             <p:ph idx="2" type="sldImg"/>
@@ -1746,7 +1747,7 @@
       </p:grpSpPr>
       <p:sp>
         <p:nvSpPr>
-          <p:cNvPr id="103" name="Google Shape;103;gc932e3fb4b_0_8:notes"/>
+          <p:cNvPr id="103" name="Google Shape;103;gc5568ad190_0_13:notes"/>
           <p:cNvSpPr txBox="1"/>
           <p:nvPr>
             <p:ph idx="1" type="body"/>
@@ -1785,7 +1786,7 @@
       </p:sp>
       <p:sp>
         <p:nvSpPr>
-          <p:cNvPr id="104" name="Google Shape;104;gc932e3fb4b_0_8:notes"/>
+          <p:cNvPr id="104" name="Google Shape;104;gc5568ad190_0_13:notes"/>
           <p:cNvSpPr/>
           <p:nvPr>
             <p:ph idx="2" type="sldImg"/>
@@ -1845,7 +1846,7 @@
       </p:grpSpPr>
       <p:sp>
         <p:nvSpPr>
-          <p:cNvPr id="109" name="Google Shape;109;gc5568ad190_0_17:notes"/>
+          <p:cNvPr id="109" name="Google Shape;109;gc932e3fb4b_0_8:notes"/>
           <p:cNvSpPr txBox="1"/>
           <p:nvPr>
             <p:ph idx="1" type="body"/>
@@ -1884,7 +1885,106 @@
       </p:sp>
       <p:sp>
         <p:nvSpPr>
-          <p:cNvPr id="110" name="Google Shape;110;gc5568ad190_0_17:notes"/>
+          <p:cNvPr id="110" name="Google Shape;110;gc932e3fb4b_0_8:notes"/>
+          <p:cNvSpPr/>
+          <p:nvPr>
+            <p:ph idx="2" type="sldImg"/>
+          </p:nvPr>
+        </p:nvSpPr>
+        <p:spPr>
+          <a:xfrm>
+            <a:off x="685800" y="1143000"/>
+            <a:ext cx="5486400" cy="3086100"/>
+          </a:xfrm>
+          <a:custGeom>
+            <a:rect b="b" l="l" r="r" t="t"/>
+            <a:pathLst>
+              <a:path extrusionOk="0" h="120000" w="120000">
+                <a:moveTo>
+                  <a:pt x="0" y="0"/>
+                </a:moveTo>
+                <a:lnTo>
+                  <a:pt x="120000" y="0"/>
+                </a:lnTo>
+                <a:lnTo>
+                  <a:pt x="120000" y="120000"/>
+                </a:lnTo>
+                <a:lnTo>
+                  <a:pt x="0" y="120000"/>
+                </a:lnTo>
+                <a:close/>
+              </a:path>
+            </a:pathLst>
+          </a:custGeom>
+        </p:spPr>
+      </p:sp>
+    </p:spTree>
+  </p:cSld>
+  <p:clrMapOvr>
+    <a:masterClrMapping/>
+  </p:clrMapOvr>
+</p:notes>
+</file>
+
+<file path=ppt/notesSlides/notesSlide6.xml><?xml version="1.0" encoding="utf-8"?>
+<p:notes xmlns:a="http://schemas.openxmlformats.org/drawingml/2006/main" xmlns:r="http://schemas.openxmlformats.org/officeDocument/2006/relationships" xmlns:mc="http://schemas.openxmlformats.org/markup-compatibility/2006" xmlns:mv="urn:schemas-microsoft-com:mac:vml" xmlns:p="http://schemas.openxmlformats.org/presentationml/2006/main" xmlns:c="http://schemas.openxmlformats.org/drawingml/2006/chart" xmlns:dgm="http://schemas.openxmlformats.org/drawingml/2006/diagram" xmlns:o="urn:schemas-microsoft-com:office:office" xmlns:v="urn:schemas-microsoft-com:vml" xmlns:pvml="urn:schemas-microsoft-com:office:powerpoint" xmlns:com="http://schemas.openxmlformats.org/drawingml/2006/compatibility" xmlns:p14="http://schemas.microsoft.com/office/powerpoint/2010/main" xmlns:p15="http://schemas.microsoft.com/office/powerpoint/2012/main" xmlns:ahyp="http://schemas.microsoft.com/office/drawing/2018/hyperlinkcolor" showMasterPhAnim="0" showMasterSp="0">
+  <p:cSld>
+    <p:spTree>
+      <p:nvGrpSpPr>
+        <p:cNvPr id="114" name="Shape 114"/>
+        <p:cNvGrpSpPr/>
+        <p:nvPr/>
+      </p:nvGrpSpPr>
+      <p:grpSpPr>
+        <a:xfrm>
+          <a:off x="0" y="0"/>
+          <a:ext cx="0" cy="0"/>
+          <a:chOff x="0" y="0"/>
+          <a:chExt cx="0" cy="0"/>
+        </a:xfrm>
+      </p:grpSpPr>
+      <p:sp>
+        <p:nvSpPr>
+          <p:cNvPr id="115" name="Google Shape;115;gc5568ad190_0_17:notes"/>
+          <p:cNvSpPr txBox="1"/>
+          <p:nvPr>
+            <p:ph idx="1" type="body"/>
+          </p:nvPr>
+        </p:nvSpPr>
+        <p:spPr>
+          <a:xfrm>
+            <a:off x="685800" y="4400550"/>
+            <a:ext cx="5486400" cy="3600600"/>
+          </a:xfrm>
+          <a:prstGeom prst="rect">
+            <a:avLst/>
+          </a:prstGeom>
+        </p:spPr>
+        <p:txBody>
+          <a:bodyPr anchorCtr="0" anchor="t" bIns="45700" lIns="91425" spcFirstLastPara="1" rIns="91425" wrap="square" tIns="45700">
+            <a:noAutofit/>
+          </a:bodyPr>
+          <a:lstStyle/>
+          <a:p>
+            <a:pPr indent="0" lvl="0" marL="0" rtl="0" algn="l">
+              <a:spcBef>
+                <a:spcPts val="0"/>
+              </a:spcBef>
+              <a:spcAft>
+                <a:spcPts val="0"/>
+              </a:spcAft>
+              <a:buNone/>
+            </a:pPr>
+            <a:r>
+              <a:t/>
+            </a:r>
+            <a:endParaRPr/>
+          </a:p>
+        </p:txBody>
+      </p:sp>
+      <p:sp>
+        <p:nvSpPr>
+          <p:cNvPr id="116" name="Google Shape;116;gc5568ad190_0_17:notes"/>
           <p:cNvSpPr/>
           <p:nvPr>
             <p:ph idx="2" type="sldImg"/>
@@ -12367,8 +12467,8 @@
         </p:blipFill>
         <p:spPr>
           <a:xfrm>
-            <a:off x="1409700" y="1690825"/>
-            <a:ext cx="9372600" cy="3924300"/>
+            <a:off x="3638550" y="1690825"/>
+            <a:ext cx="4914900" cy="3829050"/>
           </a:xfrm>
           <a:prstGeom prst="rect">
             <a:avLst/>
@@ -12406,7 +12506,7 @@
       </p:grpSpPr>
       <p:sp>
         <p:nvSpPr>
-          <p:cNvPr id="100" name="Google Shape;100;gc5568ad190_0_13"/>
+          <p:cNvPr id="100" name="Google Shape;100;gd66322a101_0_0"/>
           <p:cNvSpPr txBox="1"/>
           <p:nvPr>
             <p:ph type="title"/>
@@ -12454,19 +12554,15 @@
             </a:r>
             <a:r>
               <a:rPr b="1" lang="pt-BR"/>
-              <a:t>Tratar Devoluções</a:t>
+              <a:t>Realizar Manutenção</a:t>
             </a:r>
-            <a:endParaRPr>
-              <a:highlight>
-                <a:srgbClr val="FF0000"/>
-              </a:highlight>
-            </a:endParaRPr>
+            <a:endParaRPr/>
           </a:p>
         </p:txBody>
       </p:sp>
       <p:pic>
         <p:nvPicPr>
-          <p:cNvPr id="101" name="Google Shape;101;gc5568ad190_0_13"/>
+          <p:cNvPr id="101" name="Google Shape;101;gd66322a101_0_0"/>
           <p:cNvPicPr preferRelativeResize="0"/>
           <p:nvPr/>
         </p:nvPicPr>
@@ -12480,8 +12576,8 @@
         </p:blipFill>
         <p:spPr>
           <a:xfrm>
-            <a:off x="1809750" y="1690825"/>
-            <a:ext cx="8572500" cy="4000500"/>
+            <a:off x="2962275" y="1656825"/>
+            <a:ext cx="6267450" cy="3924300"/>
           </a:xfrm>
           <a:prstGeom prst="rect">
             <a:avLst/>
@@ -12519,7 +12615,7 @@
       </p:grpSpPr>
       <p:sp>
         <p:nvSpPr>
-          <p:cNvPr id="106" name="Google Shape;106;gc932e3fb4b_0_8"/>
+          <p:cNvPr id="106" name="Google Shape;106;gc5568ad190_0_13"/>
           <p:cNvSpPr txBox="1"/>
           <p:nvPr>
             <p:ph type="title"/>
@@ -12567,15 +12663,19 @@
             </a:r>
             <a:r>
               <a:rPr b="1" lang="pt-BR"/>
-              <a:t>Comprar Produtos</a:t>
+              <a:t>Tratar Devoluções</a:t>
             </a:r>
-            <a:endParaRPr/>
+            <a:endParaRPr>
+              <a:highlight>
+                <a:srgbClr val="FF0000"/>
+              </a:highlight>
+            </a:endParaRPr>
           </a:p>
         </p:txBody>
       </p:sp>
       <p:pic>
         <p:nvPicPr>
-          <p:cNvPr id="107" name="Google Shape;107;gc932e3fb4b_0_8"/>
+          <p:cNvPr id="107" name="Google Shape;107;gc5568ad190_0_13"/>
           <p:cNvPicPr preferRelativeResize="0"/>
           <p:nvPr/>
         </p:nvPicPr>
@@ -12589,8 +12689,8 @@
         </p:blipFill>
         <p:spPr>
           <a:xfrm>
-            <a:off x="2645875" y="1690825"/>
-            <a:ext cx="6900250" cy="3652123"/>
+            <a:off x="1809750" y="1690825"/>
+            <a:ext cx="8572500" cy="4000500"/>
           </a:xfrm>
           <a:prstGeom prst="rect">
             <a:avLst/>
@@ -12628,7 +12728,7 @@
       </p:grpSpPr>
       <p:sp>
         <p:nvSpPr>
-          <p:cNvPr id="112" name="Google Shape;112;gc5568ad190_0_17"/>
+          <p:cNvPr id="112" name="Google Shape;112;gc932e3fb4b_0_8"/>
           <p:cNvSpPr txBox="1"/>
           <p:nvPr>
             <p:ph type="title"/>
@@ -12676,6 +12776,115 @@
             </a:r>
             <a:r>
               <a:rPr b="1" lang="pt-BR"/>
+              <a:t>Comprar Produtos</a:t>
+            </a:r>
+            <a:endParaRPr/>
+          </a:p>
+        </p:txBody>
+      </p:sp>
+      <p:pic>
+        <p:nvPicPr>
+          <p:cNvPr id="113" name="Google Shape;113;gc932e3fb4b_0_8"/>
+          <p:cNvPicPr preferRelativeResize="0"/>
+          <p:nvPr/>
+        </p:nvPicPr>
+        <p:blipFill>
+          <a:blip r:embed="rId3">
+            <a:alphaModFix/>
+          </a:blip>
+          <a:stretch>
+            <a:fillRect/>
+          </a:stretch>
+        </p:blipFill>
+        <p:spPr>
+          <a:xfrm>
+            <a:off x="2619375" y="1690825"/>
+            <a:ext cx="6953250" cy="4305300"/>
+          </a:xfrm>
+          <a:prstGeom prst="rect">
+            <a:avLst/>
+          </a:prstGeom>
+          <a:noFill/>
+          <a:ln>
+            <a:noFill/>
+          </a:ln>
+        </p:spPr>
+      </p:pic>
+    </p:spTree>
+  </p:cSld>
+  <p:clrMapOvr>
+    <a:masterClrMapping/>
+  </p:clrMapOvr>
+</p:sld>
+</file>
+
+<file path=ppt/slides/slide6.xml><?xml version="1.0" encoding="utf-8"?>
+<p:sld xmlns:a="http://schemas.openxmlformats.org/drawingml/2006/main" xmlns:r="http://schemas.openxmlformats.org/officeDocument/2006/relationships" xmlns:mc="http://schemas.openxmlformats.org/markup-compatibility/2006" xmlns:mv="urn:schemas-microsoft-com:mac:vml" xmlns:p="http://schemas.openxmlformats.org/presentationml/2006/main" xmlns:c="http://schemas.openxmlformats.org/drawingml/2006/chart" xmlns:dgm="http://schemas.openxmlformats.org/drawingml/2006/diagram" xmlns:o="urn:schemas-microsoft-com:office:office" xmlns:v="urn:schemas-microsoft-com:vml" xmlns:pvml="urn:schemas-microsoft-com:office:powerpoint" xmlns:com="http://schemas.openxmlformats.org/drawingml/2006/compatibility" xmlns:p14="http://schemas.microsoft.com/office/powerpoint/2010/main" xmlns:p15="http://schemas.microsoft.com/office/powerpoint/2012/main" xmlns:ahyp="http://schemas.microsoft.com/office/drawing/2018/hyperlinkcolor">
+  <p:cSld>
+    <p:spTree>
+      <p:nvGrpSpPr>
+        <p:cNvPr id="117" name="Shape 117"/>
+        <p:cNvGrpSpPr/>
+        <p:nvPr/>
+      </p:nvGrpSpPr>
+      <p:grpSpPr>
+        <a:xfrm>
+          <a:off x="0" y="0"/>
+          <a:ext cx="0" cy="0"/>
+          <a:chOff x="0" y="0"/>
+          <a:chExt cx="0" cy="0"/>
+        </a:xfrm>
+      </p:grpSpPr>
+      <p:sp>
+        <p:nvSpPr>
+          <p:cNvPr id="118" name="Google Shape;118;gc5568ad190_0_17"/>
+          <p:cNvSpPr txBox="1"/>
+          <p:nvPr>
+            <p:ph type="title"/>
+          </p:nvPr>
+        </p:nvSpPr>
+        <p:spPr>
+          <a:xfrm>
+            <a:off x="838200" y="365125"/>
+            <a:ext cx="10515600" cy="1325700"/>
+          </a:xfrm>
+          <a:prstGeom prst="rect">
+            <a:avLst/>
+          </a:prstGeom>
+          <a:noFill/>
+          <a:ln>
+            <a:noFill/>
+          </a:ln>
+        </p:spPr>
+        <p:txBody>
+          <a:bodyPr anchorCtr="0" anchor="ctr" bIns="45700" lIns="91425" spcFirstLastPara="1" rIns="91425" wrap="square" tIns="45700">
+            <a:normAutofit/>
+          </a:bodyPr>
+          <a:lstStyle/>
+          <a:p>
+            <a:pPr indent="0" lvl="0" marL="0" rtl="0" algn="l">
+              <a:lnSpc>
+                <a:spcPct val="90000"/>
+              </a:lnSpc>
+              <a:spcBef>
+                <a:spcPts val="0"/>
+              </a:spcBef>
+              <a:spcAft>
+                <a:spcPts val="0"/>
+              </a:spcAft>
+              <a:buClr>
+                <a:schemeClr val="dk1"/>
+              </a:buClr>
+              <a:buSzPts val="4400"/>
+              <a:buFont typeface="Calibri"/>
+              <a:buNone/>
+            </a:pPr>
+            <a:r>
+              <a:rPr lang="pt-BR"/>
+              <a:t>Capacidade: </a:t>
+            </a:r>
+            <a:r>
+              <a:rPr b="1" lang="pt-BR"/>
               <a:t>Terceirizar Manutenção de Produtos</a:t>
             </a:r>
             <a:endParaRPr/>
@@ -12684,7 +12893,7 @@
       </p:sp>
       <p:pic>
         <p:nvPicPr>
-          <p:cNvPr id="113" name="Google Shape;113;gc5568ad190_0_17"/>
+          <p:cNvPr id="119" name="Google Shape;119;gc5568ad190_0_17"/>
           <p:cNvPicPr preferRelativeResize="0"/>
           <p:nvPr/>
         </p:nvPicPr>

--- a/16-DFD Essencial para cada Capacidade.pptx
+++ b/16-DFD Essencial para cada Capacidade.pptx
@@ -257,7 +257,7 @@
       </p15:sldGuideLst>
     </p:ext>
     <p:ext uri="http://customooxmlschemas.google.com/">
-      <go:slidesCustomData xmlns:go="http://customooxmlschemas.google.com/" r:id="rId12" roundtripDataSignature="AMtx7mjZ1aegdjMb0ZqmnZ/2VFFY5XgrkQ=="/>
+      <go:slidesCustomData xmlns:go="http://customooxmlschemas.google.com/" r:id="rId12" roundtripDataSignature="AMtx7mja5utqy5yQIr6x28ZEER8Wvr9SlQ=="/>
     </p:ext>
   </p:extLst>
 </p:presentation>
@@ -12907,8 +12907,8 @@
         </p:blipFill>
         <p:spPr>
           <a:xfrm>
-            <a:off x="1857375" y="1690825"/>
-            <a:ext cx="8477250" cy="4029075"/>
+            <a:off x="1343025" y="1690825"/>
+            <a:ext cx="9505950" cy="4029075"/>
           </a:xfrm>
           <a:prstGeom prst="rect">
             <a:avLst/>

--- a/16-DFD Essencial para cada Capacidade.pptx
+++ b/16-DFD Essencial para cada Capacidade.pptx
@@ -257,7 +257,7 @@
       </p15:sldGuideLst>
     </p:ext>
     <p:ext uri="http://customooxmlschemas.google.com/">
-      <go:slidesCustomData xmlns:go="http://customooxmlschemas.google.com/" r:id="rId12" roundtripDataSignature="AMtx7mja5utqy5yQIr6x28ZEER8Wvr9SlQ=="/>
+      <go:slidesCustomData xmlns:go="http://customooxmlschemas.google.com/" r:id="rId12" roundtripDataSignature="AMtx7mipQCywAdoCZYCwxg4fJW8hr4/tjg=="/>
     </p:ext>
   </p:extLst>
 </p:presentation>
@@ -12358,8 +12358,8 @@
         </p:blipFill>
         <p:spPr>
           <a:xfrm>
-            <a:off x="1927663" y="1690688"/>
-            <a:ext cx="8336683" cy="4862511"/>
+            <a:off x="1977475" y="1690688"/>
+            <a:ext cx="8237041" cy="4862511"/>
           </a:xfrm>
           <a:prstGeom prst="rect">
             <a:avLst/>
@@ -12467,8 +12467,8 @@
         </p:blipFill>
         <p:spPr>
           <a:xfrm>
-            <a:off x="3638550" y="1690825"/>
-            <a:ext cx="4914900" cy="3829050"/>
+            <a:off x="3805238" y="1690825"/>
+            <a:ext cx="4581525" cy="3829050"/>
           </a:xfrm>
           <a:prstGeom prst="rect">
             <a:avLst/>
@@ -12689,8 +12689,8 @@
         </p:blipFill>
         <p:spPr>
           <a:xfrm>
-            <a:off x="1809750" y="1690825"/>
-            <a:ext cx="8572500" cy="4000500"/>
+            <a:off x="1852613" y="1690825"/>
+            <a:ext cx="8486775" cy="4000500"/>
           </a:xfrm>
           <a:prstGeom prst="rect">
             <a:avLst/>
